--- a/实践/决策树/决策树分析.pptx
+++ b/实践/决策树/决策树分析.pptx
@@ -231,7 +231,7 @@
           <a:p>
             <a:fld id="{E8E422CF-0D80-45B7-804E-B558B97AB2E8}" type="datetimeFigureOut">
               <a:rPr lang="zh-CN" altLang="en-US" smtClean="0"/>
-              <a:t>2020/11/3</a:t>
+              <a:t>2020/11/10</a:t>
             </a:fld>
             <a:endParaRPr lang="zh-CN" altLang="en-US"/>
           </a:p>
@@ -3570,7 +3570,7 @@
           <a:p>
             <a:fld id="{B588C729-B8A5-4B8D-BA6D-5AE061BB0DBD}" type="datetimeFigureOut">
               <a:rPr lang="zh-CN" altLang="en-US" smtClean="0"/>
-              <a:t>2020/11/3</a:t>
+              <a:t>2020/11/10</a:t>
             </a:fld>
             <a:endParaRPr lang="zh-CN" altLang="en-US"/>
           </a:p>
@@ -24195,7 +24195,59 @@
                 <a:latin typeface="微软雅黑" panose="020B0503020204020204" pitchFamily="34" charset="-122"/>
                 <a:ea typeface="微软雅黑" panose="020B0503020204020204" pitchFamily="34" charset="-122"/>
               </a:rPr>
-              <a:t>）是在已知各种情况发生概率的基础上，通过构成决策树来求取净现值的期望值大于等于零的概率，评价项目风险，判断其可行性的决策分析方法，是直观运用概率分析的一种图解法。由于这种决策分支画成图形很像一棵树的枝干，故称决策树。在机器学习中，决策树是一个预测模型，他代表的是对象属性与对象值之间的一种映射关系。</a:t>
+              <a:t>）是在已知各种情况发生概率的基础上，通过构成决策树来求取净现值的期望值大于等于零的概率，评价项目风险，判断其可行性的决策分析方法，是直观运用概率分析的一种图解法。由于这种决策分支画成图形很像一棵树的枝干，故称决策树。在机器学习中，决策树是一个</a:t>
+            </a:r>
+            <a:r>
+              <a:rPr lang="zh-CN" altLang="en-US" b="1" dirty="0">
+                <a:solidFill>
+                  <a:prstClr val="black">
+                    <a:lumMod val="65000"/>
+                    <a:lumOff val="35000"/>
+                  </a:prstClr>
+                </a:solidFill>
+                <a:latin typeface="微软雅黑" panose="020B0503020204020204" pitchFamily="34" charset="-122"/>
+                <a:ea typeface="微软雅黑" panose="020B0503020204020204" pitchFamily="34" charset="-122"/>
+              </a:rPr>
+              <a:t>预测模型</a:t>
+            </a:r>
+            <a:r>
+              <a:rPr lang="zh-CN" altLang="en-US" dirty="0">
+                <a:solidFill>
+                  <a:prstClr val="black">
+                    <a:lumMod val="65000"/>
+                    <a:lumOff val="35000"/>
+                  </a:prstClr>
+                </a:solidFill>
+                <a:latin typeface="微软雅黑" panose="020B0503020204020204" pitchFamily="34" charset="-122"/>
+                <a:ea typeface="微软雅黑" panose="020B0503020204020204" pitchFamily="34" charset="-122"/>
+              </a:rPr>
+              <a:t>，他代表的是对象属性与对象值之间的一种</a:t>
+            </a:r>
+            <a:r>
+              <a:rPr lang="zh-CN" altLang="en-US" b="1" dirty="0">
+                <a:solidFill>
+                  <a:prstClr val="black">
+                    <a:lumMod val="65000"/>
+                    <a:lumOff val="35000"/>
+                  </a:prstClr>
+                </a:solidFill>
+                <a:latin typeface="微软雅黑" panose="020B0503020204020204" pitchFamily="34" charset="-122"/>
+                <a:ea typeface="微软雅黑" panose="020B0503020204020204" pitchFamily="34" charset="-122"/>
+              </a:rPr>
+              <a:t>映射关系</a:t>
+            </a:r>
+            <a:r>
+              <a:rPr lang="zh-CN" altLang="en-US" dirty="0">
+                <a:solidFill>
+                  <a:prstClr val="black">
+                    <a:lumMod val="65000"/>
+                    <a:lumOff val="35000"/>
+                  </a:prstClr>
+                </a:solidFill>
+                <a:latin typeface="微软雅黑" panose="020B0503020204020204" pitchFamily="34" charset="-122"/>
+                <a:ea typeface="微软雅黑" panose="020B0503020204020204" pitchFamily="34" charset="-122"/>
+              </a:rPr>
+              <a:t>。</a:t>
             </a:r>
             <a:r>
               <a:rPr lang="en-US" altLang="zh-CN" dirty="0">
@@ -24323,7 +24375,59 @@
                 <a:latin typeface="微软雅黑" panose="020B0503020204020204" pitchFamily="34" charset="-122"/>
                 <a:ea typeface="微软雅黑" panose="020B0503020204020204" pitchFamily="34" charset="-122"/>
               </a:rPr>
-              <a:t>      分类树（决策树）是一种十分常用的分类方法。他是一种监督学习，所谓监督学习就是给定一堆样本，每个样本都有一组属性和一个类别，这些类别是事先确定的，那么通过学习得到一个分类器，这个分类器能够对新出现的对象给出正确的分类。这样的机器学习就被称之为监督学习。</a:t>
+              <a:t>      分类树（决策树）是一种十分常用的分类方法。他是一种</a:t>
+            </a:r>
+            <a:r>
+              <a:rPr lang="zh-CN" altLang="en-US" b="1" dirty="0">
+                <a:solidFill>
+                  <a:prstClr val="black">
+                    <a:lumMod val="65000"/>
+                    <a:lumOff val="35000"/>
+                  </a:prstClr>
+                </a:solidFill>
+                <a:latin typeface="微软雅黑" panose="020B0503020204020204" pitchFamily="34" charset="-122"/>
+                <a:ea typeface="微软雅黑" panose="020B0503020204020204" pitchFamily="34" charset="-122"/>
+              </a:rPr>
+              <a:t>监督学习</a:t>
+            </a:r>
+            <a:r>
+              <a:rPr lang="zh-CN" altLang="en-US" dirty="0">
+                <a:solidFill>
+                  <a:prstClr val="black">
+                    <a:lumMod val="65000"/>
+                    <a:lumOff val="35000"/>
+                  </a:prstClr>
+                </a:solidFill>
+                <a:latin typeface="微软雅黑" panose="020B0503020204020204" pitchFamily="34" charset="-122"/>
+                <a:ea typeface="微软雅黑" panose="020B0503020204020204" pitchFamily="34" charset="-122"/>
+              </a:rPr>
+              <a:t>，所谓监督学习就是</a:t>
+            </a:r>
+            <a:r>
+              <a:rPr lang="zh-CN" altLang="en-US" b="1" dirty="0">
+                <a:solidFill>
+                  <a:prstClr val="black">
+                    <a:lumMod val="65000"/>
+                    <a:lumOff val="35000"/>
+                  </a:prstClr>
+                </a:solidFill>
+                <a:latin typeface="微软雅黑" panose="020B0503020204020204" pitchFamily="34" charset="-122"/>
+                <a:ea typeface="微软雅黑" panose="020B0503020204020204" pitchFamily="34" charset="-122"/>
+              </a:rPr>
+              <a:t>给定一堆样本，每个样本都有一组属性和一个类别，这些类别是事先确定的，那么通过学习得到一个分类器，这个分类器能够对新出现的对象给出正确的分类</a:t>
+            </a:r>
+            <a:r>
+              <a:rPr lang="zh-CN" altLang="en-US" dirty="0">
+                <a:solidFill>
+                  <a:prstClr val="black">
+                    <a:lumMod val="65000"/>
+                    <a:lumOff val="35000"/>
+                  </a:prstClr>
+                </a:solidFill>
+                <a:latin typeface="微软雅黑" panose="020B0503020204020204" pitchFamily="34" charset="-122"/>
+                <a:ea typeface="微软雅黑" panose="020B0503020204020204" pitchFamily="34" charset="-122"/>
+              </a:rPr>
+              <a:t>。这样的机器学习就被称之为监督学习。</a:t>
             </a:r>
           </a:p>
         </p:txBody>
@@ -26816,6 +26920,151 @@
           </a:prstGeom>
         </p:spPr>
       </p:pic>
+      <p:sp>
+        <p:nvSpPr>
+          <p:cNvPr id="25" name="矩形 30">
+            <a:extLst>
+              <a:ext uri="{FF2B5EF4-FFF2-40B4-BE49-F238E27FC236}">
+                <a16:creationId xmlns:a16="http://schemas.microsoft.com/office/drawing/2014/main" id="{F120C5A5-27B2-4DB4-B022-0AE3927C48DA}"/>
+              </a:ext>
+            </a:extLst>
+          </p:cNvPr>
+          <p:cNvSpPr>
+            <a:spLocks noChangeArrowheads="1"/>
+          </p:cNvSpPr>
+          <p:nvPr/>
+        </p:nvSpPr>
+        <p:spPr bwMode="auto">
+          <a:xfrm>
+            <a:off x="2552186" y="238676"/>
+            <a:ext cx="3824552" cy="1069062"/>
+          </a:xfrm>
+          <a:prstGeom prst="rect">
+            <a:avLst/>
+          </a:prstGeom>
+          <a:noFill/>
+          <a:ln w="9525">
+            <a:noFill/>
+            <a:miter lim="800000"/>
+          </a:ln>
+        </p:spPr>
+        <p:txBody>
+          <a:bodyPr wrap="square" lIns="138607" tIns="69304" rIns="138607" bIns="69304">
+            <a:spAutoFit/>
+          </a:bodyPr>
+          <a:lstStyle/>
+          <a:p>
+            <a:pPr marL="285750" lvl="0" indent="-285750" defTabSz="914400">
+              <a:lnSpc>
+                <a:spcPct val="130000"/>
+              </a:lnSpc>
+              <a:buFont typeface="Wingdings" panose="05000000000000000000" pitchFamily="2" charset="2"/>
+              <a:buChar char="n"/>
+              <a:defRPr/>
+            </a:pPr>
+            <a:r>
+              <a:rPr lang="zh-CN" altLang="en-US" sz="1600" dirty="0">
+                <a:solidFill>
+                  <a:prstClr val="black">
+                    <a:lumMod val="65000"/>
+                    <a:lumOff val="35000"/>
+                  </a:prstClr>
+                </a:solidFill>
+                <a:latin typeface="微软雅黑" panose="020B0503020204020204" pitchFamily="34" charset="-122"/>
+                <a:ea typeface="微软雅黑" panose="020B0503020204020204" pitchFamily="34" charset="-122"/>
+              </a:rPr>
+              <a:t>比较适合分析离散数据</a:t>
+            </a:r>
+            <a:endParaRPr lang="en-US" altLang="zh-CN" sz="1600" dirty="0">
+              <a:solidFill>
+                <a:prstClr val="black">
+                  <a:lumMod val="65000"/>
+                  <a:lumOff val="35000"/>
+                </a:prstClr>
+              </a:solidFill>
+              <a:latin typeface="微软雅黑" panose="020B0503020204020204" pitchFamily="34" charset="-122"/>
+              <a:ea typeface="微软雅黑" panose="020B0503020204020204" pitchFamily="34" charset="-122"/>
+            </a:endParaRPr>
+          </a:p>
+          <a:p>
+            <a:pPr marL="285750" lvl="0" indent="-285750" defTabSz="914400">
+              <a:lnSpc>
+                <a:spcPct val="130000"/>
+              </a:lnSpc>
+              <a:buFont typeface="Wingdings" panose="05000000000000000000" pitchFamily="2" charset="2"/>
+              <a:buChar char="n"/>
+              <a:defRPr/>
+            </a:pPr>
+            <a:r>
+              <a:rPr lang="zh-CN" altLang="en-US" sz="1600" dirty="0">
+                <a:solidFill>
+                  <a:prstClr val="black">
+                    <a:lumMod val="65000"/>
+                    <a:lumOff val="35000"/>
+                  </a:prstClr>
+                </a:solidFill>
+                <a:latin typeface="微软雅黑" panose="020B0503020204020204" pitchFamily="34" charset="-122"/>
+                <a:ea typeface="微软雅黑" panose="020B0503020204020204" pitchFamily="34" charset="-122"/>
+              </a:rPr>
+              <a:t>如果是连续数据要先转换成离散数据</a:t>
+            </a:r>
+            <a:endParaRPr lang="en-US" altLang="zh-CN" sz="1600" dirty="0">
+              <a:solidFill>
+                <a:prstClr val="black">
+                  <a:lumMod val="65000"/>
+                  <a:lumOff val="35000"/>
+                </a:prstClr>
+              </a:solidFill>
+              <a:latin typeface="微软雅黑" panose="020B0503020204020204" pitchFamily="34" charset="-122"/>
+              <a:ea typeface="微软雅黑" panose="020B0503020204020204" pitchFamily="34" charset="-122"/>
+            </a:endParaRPr>
+          </a:p>
+          <a:p>
+            <a:pPr lvl="0" defTabSz="914400">
+              <a:lnSpc>
+                <a:spcPct val="130000"/>
+              </a:lnSpc>
+              <a:defRPr/>
+            </a:pPr>
+            <a:r>
+              <a:rPr lang="en-US" altLang="zh-CN" sz="1600" dirty="0">
+                <a:solidFill>
+                  <a:prstClr val="black">
+                    <a:lumMod val="65000"/>
+                    <a:lumOff val="35000"/>
+                  </a:prstClr>
+                </a:solidFill>
+                <a:latin typeface="微软雅黑" panose="020B0503020204020204" pitchFamily="34" charset="-122"/>
+                <a:ea typeface="微软雅黑" panose="020B0503020204020204" pitchFamily="34" charset="-122"/>
+              </a:rPr>
+              <a:t>    </a:t>
+            </a:r>
+            <a:r>
+              <a:rPr lang="zh-CN" altLang="en-US" sz="1600" dirty="0">
+                <a:solidFill>
+                  <a:prstClr val="black">
+                    <a:lumMod val="65000"/>
+                    <a:lumOff val="35000"/>
+                  </a:prstClr>
+                </a:solidFill>
+                <a:latin typeface="微软雅黑" panose="020B0503020204020204" pitchFamily="34" charset="-122"/>
+                <a:ea typeface="微软雅黑" panose="020B0503020204020204" pitchFamily="34" charset="-122"/>
+              </a:rPr>
+              <a:t>再做分析</a:t>
+            </a:r>
+            <a:endParaRPr lang="en-US" altLang="zh-CN" sz="1600" dirty="0">
+              <a:solidFill>
+                <a:prstClr val="black">
+                  <a:lumMod val="65000"/>
+                  <a:lumOff val="35000"/>
+                </a:prstClr>
+              </a:solidFill>
+              <a:latin typeface="微软雅黑" panose="020B0503020204020204" pitchFamily="34" charset="-122"/>
+              <a:ea typeface="微软雅黑" panose="020B0503020204020204" pitchFamily="34" charset="-122"/>
+            </a:endParaRPr>
+          </a:p>
+        </p:txBody>
+      </p:sp>
     </p:spTree>
     <p:extLst>
       <p:ext uri="{BB962C8B-B14F-4D97-AF65-F5344CB8AC3E}">
@@ -27203,6 +27452,73 @@
                             </p:childTnLst>
                           </p:cTn>
                         </p:par>
+                        <p:par>
+                          <p:cTn id="32" fill="hold">
+                            <p:stCondLst>
+                              <p:cond delay="0"/>
+                            </p:stCondLst>
+                            <p:childTnLst>
+                              <p:par>
+                                <p:cTn id="33" presetID="12" presetClass="entr" presetSubtype="1" fill="hold" grpId="0" nodeType="afterEffect">
+                                  <p:stCondLst>
+                                    <p:cond delay="0"/>
+                                  </p:stCondLst>
+                                  <p:childTnLst>
+                                    <p:set>
+                                      <p:cBhvr>
+                                        <p:cTn id="34" dur="1" fill="hold">
+                                          <p:stCondLst>
+                                            <p:cond delay="0"/>
+                                          </p:stCondLst>
+                                        </p:cTn>
+                                        <p:tgtEl>
+                                          <p:spTgt spid="25"/>
+                                        </p:tgtEl>
+                                        <p:attrNameLst>
+                                          <p:attrName>style.visibility</p:attrName>
+                                        </p:attrNameLst>
+                                      </p:cBhvr>
+                                      <p:to>
+                                        <p:strVal val="visible"/>
+                                      </p:to>
+                                    </p:set>
+                                    <p:anim calcmode="lin" valueType="num">
+                                      <p:cBhvr additive="base">
+                                        <p:cTn id="35" dur="1000"/>
+                                        <p:tgtEl>
+                                          <p:spTgt spid="25"/>
+                                        </p:tgtEl>
+                                        <p:attrNameLst>
+                                          <p:attrName>ppt_y</p:attrName>
+                                        </p:attrNameLst>
+                                      </p:cBhvr>
+                                      <p:tavLst>
+                                        <p:tav tm="0">
+                                          <p:val>
+                                            <p:strVal val="#ppt_y-#ppt_h*1.125000"/>
+                                          </p:val>
+                                        </p:tav>
+                                        <p:tav tm="100000">
+                                          <p:val>
+                                            <p:strVal val="#ppt_y"/>
+                                          </p:val>
+                                        </p:tav>
+                                      </p:tavLst>
+                                    </p:anim>
+                                    <p:animEffect transition="in" filter="wipe(down)">
+                                      <p:cBhvr>
+                                        <p:cTn id="36" dur="1000"/>
+                                        <p:tgtEl>
+                                          <p:spTgt spid="25"/>
+                                        </p:tgtEl>
+                                      </p:cBhvr>
+                                    </p:animEffect>
+                                  </p:childTnLst>
+                                </p:cTn>
+                              </p:par>
+                            </p:childTnLst>
+                          </p:cTn>
+                        </p:par>
                       </p:childTnLst>
                     </p:cTn>
                   </p:par>
@@ -27232,6 +27548,7 @@
       <p:bldP spid="127" grpId="0"/>
       <p:bldP spid="128" grpId="0"/>
       <p:bldP spid="129" grpId="0"/>
+      <p:bldP spid="25" grpId="0"/>
     </p:bldLst>
   </p:timing>
 </p:sld>
@@ -28080,7 +28397,7 @@
         <p:spPr>
           <a:xfrm>
             <a:off x="1748740" y="547446"/>
-            <a:ext cx="6853158" cy="400110"/>
+            <a:ext cx="1467068" cy="400110"/>
           </a:xfrm>
           <a:prstGeom prst="rect">
             <a:avLst/>
@@ -28117,7 +28434,7 @@
                 <a:effectLst/>
                 <a:latin typeface="Lato"/>
               </a:rPr>
-              <a:t>那么这里可以用决策树进行预测，大致分为以下几个步骤：</a:t>
+              <a:t>决策树算法</a:t>
             </a:r>
             <a:endParaRPr kumimoji="0" lang="zh-CN" altLang="en-US" sz="2000" b="0" i="0" u="none" strike="noStrike" kern="1200" cap="none" spc="0" normalizeH="0" baseline="0" noProof="0" dirty="0">
               <a:ln>
@@ -28150,8 +28467,8 @@
         </p:nvSpPr>
         <p:spPr>
           <a:xfrm>
-            <a:off x="1897109" y="1567757"/>
-            <a:ext cx="3825781" cy="4646208"/>
+            <a:off x="1897108" y="1567756"/>
+            <a:ext cx="7134597" cy="2104550"/>
           </a:xfrm>
           <a:prstGeom prst="rect">
             <a:avLst/>
@@ -28166,111 +28483,165 @@
           <a:p>
             <a:pPr marL="285750" lvl="0" indent="-285750" defTabSz="914400">
               <a:lnSpc>
-                <a:spcPct val="130000"/>
+                <a:spcPct val="200000"/>
               </a:lnSpc>
               <a:buFont typeface="Wingdings" panose="05000000000000000000" pitchFamily="2" charset="2"/>
               <a:buChar char="n"/>
               <a:defRPr/>
             </a:pPr>
             <a:r>
-              <a:rPr lang="en-US" altLang="zh-CN" dirty="0">
+              <a:rPr kumimoji="0" lang="en-US" altLang="zh-CN" sz="2400" b="0" i="0" u="none" strike="noStrike" kern="1200" cap="none" spc="0" normalizeH="0" baseline="0" noProof="0" dirty="0">
+                <a:ln>
+                  <a:noFill/>
+                </a:ln>
                 <a:solidFill>
                   <a:prstClr val="black">
                     <a:lumMod val="65000"/>
                     <a:lumOff val="35000"/>
                   </a:prstClr>
                 </a:solidFill>
+                <a:effectLst/>
+                <a:uLnTx/>
+                <a:uFillTx/>
                 <a:latin typeface="微软雅黑" panose="020B0503020204020204" pitchFamily="34" charset="-122"/>
                 <a:ea typeface="微软雅黑" panose="020B0503020204020204" pitchFamily="34" charset="-122"/>
               </a:rPr>
-              <a:t>1.</a:t>
+              <a:t>70</a:t>
             </a:r>
             <a:r>
-              <a:rPr lang="zh-CN" altLang="en-US" dirty="0">
+              <a:rPr kumimoji="0" lang="zh-CN" altLang="en-US" sz="2400" b="0" i="0" u="none" strike="noStrike" kern="1200" cap="none" spc="0" normalizeH="0" baseline="0" noProof="0" dirty="0">
+                <a:ln>
+                  <a:noFill/>
+                </a:ln>
                 <a:solidFill>
                   <a:prstClr val="black">
                     <a:lumMod val="65000"/>
                     <a:lumOff val="35000"/>
                   </a:prstClr>
                 </a:solidFill>
+                <a:effectLst/>
+                <a:uLnTx/>
+                <a:uFillTx/>
                 <a:latin typeface="微软雅黑" panose="020B0503020204020204" pitchFamily="34" charset="-122"/>
                 <a:ea typeface="微软雅黑" panose="020B0503020204020204" pitchFamily="34" charset="-122"/>
               </a:rPr>
-              <a:t>收集数据：可以使用任何方法。比如想构建一个相亲系统，我们可以从媒婆那里，或者通过参访相亲对象获取数据。根据他们考虑的因素和最终的选择结果，就可以得到一些供我们利用的数据了；</a:t>
+              <a:t>年代后期到</a:t>
             </a:r>
-          </a:p>
-          <a:p>
-            <a:pPr marL="285750" lvl="0" indent="-285750" defTabSz="914400">
-              <a:lnSpc>
-                <a:spcPct val="130000"/>
-              </a:lnSpc>
-              <a:buFont typeface="Wingdings" panose="05000000000000000000" pitchFamily="2" charset="2"/>
-              <a:buChar char="n"/>
-              <a:defRPr/>
-            </a:pPr>
             <a:r>
-              <a:rPr lang="en-US" altLang="zh-CN" dirty="0">
+              <a:rPr kumimoji="0" lang="en-US" altLang="zh-CN" sz="2400" b="0" i="0" u="none" strike="noStrike" kern="1200" cap="none" spc="0" normalizeH="0" baseline="0" noProof="0" dirty="0">
+                <a:ln>
+                  <a:noFill/>
+                </a:ln>
                 <a:solidFill>
                   <a:prstClr val="black">
                     <a:lumMod val="65000"/>
                     <a:lumOff val="35000"/>
                   </a:prstClr>
                 </a:solidFill>
+                <a:effectLst/>
+                <a:uLnTx/>
+                <a:uFillTx/>
                 <a:latin typeface="微软雅黑" panose="020B0503020204020204" pitchFamily="34" charset="-122"/>
                 <a:ea typeface="微软雅黑" panose="020B0503020204020204" pitchFamily="34" charset="-122"/>
               </a:rPr>
-              <a:t>2.</a:t>
+              <a:t>80</a:t>
             </a:r>
             <a:r>
-              <a:rPr lang="zh-CN" altLang="en-US" dirty="0">
+              <a:rPr kumimoji="0" lang="zh-CN" altLang="en-US" sz="2400" b="0" i="0" u="none" strike="noStrike" kern="1200" cap="none" spc="0" normalizeH="0" baseline="0" noProof="0" dirty="0">
+                <a:ln>
+                  <a:noFill/>
+                </a:ln>
                 <a:solidFill>
                   <a:prstClr val="black">
                     <a:lumMod val="65000"/>
                     <a:lumOff val="35000"/>
                   </a:prstClr>
                 </a:solidFill>
+                <a:effectLst/>
+                <a:uLnTx/>
+                <a:uFillTx/>
                 <a:latin typeface="微软雅黑" panose="020B0503020204020204" pitchFamily="34" charset="-122"/>
                 <a:ea typeface="微软雅黑" panose="020B0503020204020204" pitchFamily="34" charset="-122"/>
               </a:rPr>
-              <a:t>准备数据：收集完的数据，我们要进行整理，将这些所有收集的信息按照一定规则整理出来，并排版，方便我们进行后续处理；</a:t>
+              <a:t>年代，</a:t>
             </a:r>
-          </a:p>
-          <a:p>
-            <a:pPr marL="285750" lvl="0" indent="-285750" defTabSz="914400">
-              <a:lnSpc>
-                <a:spcPct val="130000"/>
-              </a:lnSpc>
-              <a:buFont typeface="Wingdings" panose="05000000000000000000" pitchFamily="2" charset="2"/>
-              <a:buChar char="n"/>
-              <a:defRPr/>
-            </a:pPr>
             <a:r>
-              <a:rPr lang="en-US" altLang="zh-CN" dirty="0">
+              <a:rPr kumimoji="0" lang="en-US" altLang="zh-CN" sz="2400" b="0" i="0" u="none" strike="noStrike" kern="1200" cap="none" spc="0" normalizeH="0" baseline="0" noProof="0" dirty="0">
+                <a:ln>
+                  <a:noFill/>
+                </a:ln>
                 <a:solidFill>
                   <a:prstClr val="black">
                     <a:lumMod val="65000"/>
                     <a:lumOff val="35000"/>
                   </a:prstClr>
                 </a:solidFill>
+                <a:effectLst/>
+                <a:uLnTx/>
+                <a:uFillTx/>
                 <a:latin typeface="微软雅黑" panose="020B0503020204020204" pitchFamily="34" charset="-122"/>
                 <a:ea typeface="微软雅黑" panose="020B0503020204020204" pitchFamily="34" charset="-122"/>
               </a:rPr>
-              <a:t>3.</a:t>
+              <a:t>Quinlan</a:t>
             </a:r>
             <a:r>
-              <a:rPr lang="zh-CN" altLang="en-US" dirty="0">
+              <a:rPr kumimoji="0" lang="zh-CN" altLang="en-US" sz="2400" b="0" i="0" u="none" strike="noStrike" kern="1200" cap="none" spc="0" normalizeH="0" baseline="0" noProof="0" dirty="0">
+                <a:ln>
+                  <a:noFill/>
+                </a:ln>
                 <a:solidFill>
                   <a:prstClr val="black">
                     <a:lumMod val="65000"/>
                     <a:lumOff val="35000"/>
                   </a:prstClr>
                 </a:solidFill>
+                <a:effectLst/>
+                <a:uLnTx/>
+                <a:uFillTx/>
                 <a:latin typeface="微软雅黑" panose="020B0503020204020204" pitchFamily="34" charset="-122"/>
                 <a:ea typeface="微软雅黑" panose="020B0503020204020204" pitchFamily="34" charset="-122"/>
               </a:rPr>
-              <a:t>分析数据：可以使用任何方法，决策树构造完成之后，我们可以检查决策树图形是否符合预期；</a:t>
+              <a:t>开发了</a:t>
             </a:r>
-            <a:endParaRPr kumimoji="0" lang="en-US" altLang="zh-CN" b="0" i="0" u="none" strike="noStrike" kern="1200" cap="none" spc="0" normalizeH="0" baseline="0" noProof="0" dirty="0">
+            <a:r>
+              <a:rPr kumimoji="0" lang="en-US" altLang="zh-CN" sz="2400" b="0" i="0" u="none" strike="noStrike" kern="1200" cap="none" spc="0" normalizeH="0" baseline="0" noProof="0" dirty="0">
+                <a:ln>
+                  <a:noFill/>
+                </a:ln>
+                <a:solidFill>
+                  <a:prstClr val="black">
+                    <a:lumMod val="65000"/>
+                    <a:lumOff val="35000"/>
+                  </a:prstClr>
+                </a:solidFill>
+                <a:effectLst/>
+                <a:uLnTx/>
+                <a:uFillTx/>
+                <a:latin typeface="微软雅黑" panose="020B0503020204020204" pitchFamily="34" charset="-122"/>
+                <a:ea typeface="微软雅黑" panose="020B0503020204020204" pitchFamily="34" charset="-122"/>
+              </a:rPr>
+              <a:t>ID3</a:t>
+            </a:r>
+            <a:r>
+              <a:rPr kumimoji="0" lang="zh-CN" altLang="en-US" sz="2400" b="0" i="0" u="none" strike="noStrike" kern="1200" cap="none" spc="0" normalizeH="0" baseline="0" noProof="0" dirty="0">
+                <a:ln>
+                  <a:noFill/>
+                </a:ln>
+                <a:solidFill>
+                  <a:prstClr val="black">
+                    <a:lumMod val="65000"/>
+                    <a:lumOff val="35000"/>
+                  </a:prstClr>
+                </a:solidFill>
+                <a:effectLst/>
+                <a:uLnTx/>
+                <a:uFillTx/>
+                <a:latin typeface="微软雅黑" panose="020B0503020204020204" pitchFamily="34" charset="-122"/>
+                <a:ea typeface="微软雅黑" panose="020B0503020204020204" pitchFamily="34" charset="-122"/>
+              </a:rPr>
+              <a:t>算法。</a:t>
+            </a:r>
+            <a:endParaRPr kumimoji="0" lang="en-US" altLang="zh-CN" sz="2400" b="0" i="0" u="none" strike="noStrike" kern="1200" cap="none" spc="0" normalizeH="0" baseline="0" noProof="0" dirty="0">
               <a:ln>
                 <a:noFill/>
               </a:ln>
@@ -28287,46 +28658,17 @@
               <a:ea typeface="微软雅黑" panose="020B0503020204020204" pitchFamily="34" charset="-122"/>
             </a:endParaRPr>
           </a:p>
-        </p:txBody>
-      </p:sp>
-      <p:sp>
-        <p:nvSpPr>
-          <p:cNvPr id="25" name="原创设计师QQ598969553      _11">
-            <a:extLst>
-              <a:ext uri="{FF2B5EF4-FFF2-40B4-BE49-F238E27FC236}">
-                <a16:creationId xmlns:a16="http://schemas.microsoft.com/office/drawing/2014/main" id="{2FD1DD2B-26BB-425A-BF44-634C048043B0}"/>
-              </a:ext>
-            </a:extLst>
-          </p:cNvPr>
-          <p:cNvSpPr txBox="1"/>
-          <p:nvPr/>
-        </p:nvSpPr>
-        <p:spPr>
-          <a:xfrm>
-            <a:off x="6534844" y="1567757"/>
-            <a:ext cx="3694311" cy="3926011"/>
-          </a:xfrm>
-          <a:prstGeom prst="rect">
-            <a:avLst/>
-          </a:prstGeom>
-          <a:noFill/>
-        </p:spPr>
-        <p:txBody>
-          <a:bodyPr wrap="square" lIns="0" tIns="0" rIns="0" bIns="0" rtlCol="0">
-            <a:spAutoFit/>
-          </a:bodyPr>
-          <a:lstStyle/>
           <a:p>
             <a:pPr marL="285750" lvl="0" indent="-285750" defTabSz="914400">
               <a:lnSpc>
-                <a:spcPct val="130000"/>
+                <a:spcPct val="200000"/>
               </a:lnSpc>
               <a:buFont typeface="Wingdings" panose="05000000000000000000" pitchFamily="2" charset="2"/>
               <a:buChar char="n"/>
               <a:defRPr/>
             </a:pPr>
             <a:r>
-              <a:rPr lang="en-US" altLang="zh-CN" dirty="0">
+              <a:rPr lang="zh-CN" altLang="en-US" sz="2400" dirty="0">
                 <a:solidFill>
                   <a:prstClr val="black">
                     <a:lumMod val="65000"/>
@@ -28336,10 +28678,10 @@
                 <a:latin typeface="微软雅黑" panose="020B0503020204020204" pitchFamily="34" charset="-122"/>
                 <a:ea typeface="微软雅黑" panose="020B0503020204020204" pitchFamily="34" charset="-122"/>
               </a:rPr>
-              <a:t>4.</a:t>
+              <a:t>后来</a:t>
             </a:r>
             <a:r>
-              <a:rPr lang="zh-CN" altLang="en-US" dirty="0">
+              <a:rPr lang="en-US" altLang="zh-CN" sz="2400" dirty="0">
                 <a:solidFill>
                   <a:prstClr val="black">
                     <a:lumMod val="65000"/>
@@ -28349,20 +28691,10 @@
                 <a:latin typeface="微软雅黑" panose="020B0503020204020204" pitchFamily="34" charset="-122"/>
                 <a:ea typeface="微软雅黑" panose="020B0503020204020204" pitchFamily="34" charset="-122"/>
               </a:rPr>
-              <a:t>训练算法：这个过程也就是构造决策树，同样也可以说是决策树学习，就是构造一个决策树的数据结构；</a:t>
+              <a:t>Quinlan</a:t>
             </a:r>
-          </a:p>
-          <a:p>
-            <a:pPr marL="285750" lvl="0" indent="-285750" defTabSz="914400">
-              <a:lnSpc>
-                <a:spcPct val="130000"/>
-              </a:lnSpc>
-              <a:buFont typeface="Wingdings" panose="05000000000000000000" pitchFamily="2" charset="2"/>
-              <a:buChar char="n"/>
-              <a:defRPr/>
-            </a:pPr>
             <a:r>
-              <a:rPr lang="en-US" altLang="zh-CN" dirty="0">
+              <a:rPr lang="zh-CN" altLang="en-US" sz="2400" dirty="0">
                 <a:solidFill>
                   <a:prstClr val="black">
                     <a:lumMod val="65000"/>
@@ -28372,10 +28704,10 @@
                 <a:latin typeface="微软雅黑" panose="020B0503020204020204" pitchFamily="34" charset="-122"/>
                 <a:ea typeface="微软雅黑" panose="020B0503020204020204" pitchFamily="34" charset="-122"/>
               </a:rPr>
-              <a:t>5.</a:t>
+              <a:t>改进了</a:t>
             </a:r>
             <a:r>
-              <a:rPr lang="zh-CN" altLang="en-US" dirty="0">
+              <a:rPr lang="en-US" altLang="zh-CN" sz="2400" dirty="0">
                 <a:solidFill>
                   <a:prstClr val="black">
                     <a:lumMod val="65000"/>
@@ -28385,20 +28717,10 @@
                 <a:latin typeface="微软雅黑" panose="020B0503020204020204" pitchFamily="34" charset="-122"/>
                 <a:ea typeface="微软雅黑" panose="020B0503020204020204" pitchFamily="34" charset="-122"/>
               </a:rPr>
-              <a:t>测试算法：使用经验树计算错误率。当错误率达到了可接收范围，这个决策树就可以投放使用了；</a:t>
+              <a:t>ID3</a:t>
             </a:r>
-          </a:p>
-          <a:p>
-            <a:pPr marL="285750" lvl="0" indent="-285750" defTabSz="914400">
-              <a:lnSpc>
-                <a:spcPct val="130000"/>
-              </a:lnSpc>
-              <a:buFont typeface="Wingdings" panose="05000000000000000000" pitchFamily="2" charset="2"/>
-              <a:buChar char="n"/>
-              <a:defRPr/>
-            </a:pPr>
             <a:r>
-              <a:rPr lang="en-US" altLang="zh-CN" dirty="0">
+              <a:rPr lang="zh-CN" altLang="en-US" sz="2400" dirty="0">
                 <a:solidFill>
                   <a:prstClr val="black">
                     <a:lumMod val="65000"/>
@@ -28408,10 +28730,10 @@
                 <a:latin typeface="微软雅黑" panose="020B0503020204020204" pitchFamily="34" charset="-122"/>
                 <a:ea typeface="微软雅黑" panose="020B0503020204020204" pitchFamily="34" charset="-122"/>
               </a:rPr>
-              <a:t>6.</a:t>
+              <a:t>算法，称为</a:t>
             </a:r>
             <a:r>
-              <a:rPr lang="zh-CN" altLang="en-US" dirty="0">
+              <a:rPr lang="en-US" altLang="zh-CN" sz="2400" dirty="0">
                 <a:solidFill>
                   <a:prstClr val="black">
                     <a:lumMod val="65000"/>
@@ -28421,9 +28743,106 @@
                 <a:latin typeface="微软雅黑" panose="020B0503020204020204" pitchFamily="34" charset="-122"/>
                 <a:ea typeface="微软雅黑" panose="020B0503020204020204" pitchFamily="34" charset="-122"/>
               </a:rPr>
-              <a:t>使用算法：此步骤可以使用适用于任何监督学习算法，而使用决策树可以更好地理解数据的内在含义。</a:t>
+              <a:t>C4.5</a:t>
             </a:r>
-            <a:endParaRPr kumimoji="0" lang="en-US" altLang="zh-CN" b="0" i="0" u="none" strike="noStrike" kern="1200" cap="none" spc="0" normalizeH="0" baseline="0" noProof="0" dirty="0">
+            <a:r>
+              <a:rPr lang="zh-CN" altLang="en-US" sz="2400" dirty="0">
+                <a:solidFill>
+                  <a:prstClr val="black">
+                    <a:lumMod val="65000"/>
+                    <a:lumOff val="35000"/>
+                  </a:prstClr>
+                </a:solidFill>
+                <a:latin typeface="微软雅黑" panose="020B0503020204020204" pitchFamily="34" charset="-122"/>
+                <a:ea typeface="微软雅黑" panose="020B0503020204020204" pitchFamily="34" charset="-122"/>
+              </a:rPr>
+              <a:t>算法</a:t>
+            </a:r>
+            <a:endParaRPr lang="en-US" altLang="zh-CN" sz="2400" dirty="0">
+              <a:solidFill>
+                <a:prstClr val="black">
+                  <a:lumMod val="65000"/>
+                  <a:lumOff val="35000"/>
+                </a:prstClr>
+              </a:solidFill>
+              <a:latin typeface="微软雅黑" panose="020B0503020204020204" pitchFamily="34" charset="-122"/>
+              <a:ea typeface="微软雅黑" panose="020B0503020204020204" pitchFamily="34" charset="-122"/>
+            </a:endParaRPr>
+          </a:p>
+          <a:p>
+            <a:pPr marL="285750" lvl="0" indent="-285750" defTabSz="914400">
+              <a:lnSpc>
+                <a:spcPct val="200000"/>
+              </a:lnSpc>
+              <a:buFont typeface="Wingdings" panose="05000000000000000000" pitchFamily="2" charset="2"/>
+              <a:buChar char="n"/>
+              <a:defRPr/>
+            </a:pPr>
+            <a:r>
+              <a:rPr kumimoji="0" lang="en-US" altLang="zh-CN" sz="2400" b="0" i="0" u="none" strike="noStrike" kern="1200" cap="none" spc="0" normalizeH="0" baseline="0" noProof="0" dirty="0">
+                <a:ln>
+                  <a:noFill/>
+                </a:ln>
+                <a:solidFill>
+                  <a:prstClr val="black">
+                    <a:lumMod val="65000"/>
+                    <a:lumOff val="35000"/>
+                  </a:prstClr>
+                </a:solidFill>
+                <a:effectLst/>
+                <a:uLnTx/>
+                <a:uFillTx/>
+                <a:latin typeface="微软雅黑" panose="020B0503020204020204" pitchFamily="34" charset="-122"/>
+                <a:ea typeface="微软雅黑" panose="020B0503020204020204" pitchFamily="34" charset="-122"/>
+              </a:rPr>
+              <a:t>1984</a:t>
+            </a:r>
+            <a:r>
+              <a:rPr kumimoji="0" lang="zh-CN" altLang="en-US" sz="2400" b="0" i="0" u="none" strike="noStrike" kern="1200" cap="none" spc="0" normalizeH="0" baseline="0" noProof="0" dirty="0">
+                <a:ln>
+                  <a:noFill/>
+                </a:ln>
+                <a:solidFill>
+                  <a:prstClr val="black">
+                    <a:lumMod val="65000"/>
+                    <a:lumOff val="35000"/>
+                  </a:prstClr>
+                </a:solidFill>
+                <a:effectLst/>
+                <a:uLnTx/>
+                <a:uFillTx/>
+                <a:latin typeface="微软雅黑" panose="020B0503020204020204" pitchFamily="34" charset="-122"/>
+                <a:ea typeface="微软雅黑" panose="020B0503020204020204" pitchFamily="34" charset="-122"/>
+              </a:rPr>
+              <a:t>，多位统计学家提出了</a:t>
+            </a:r>
+            <a:r>
+              <a:rPr lang="en-US" altLang="zh-CN" sz="2400" b="1" dirty="0">
+                <a:solidFill>
+                  <a:prstClr val="black">
+                    <a:lumMod val="65000"/>
+                    <a:lumOff val="35000"/>
+                  </a:prstClr>
+                </a:solidFill>
+                <a:latin typeface="微软雅黑" panose="020B0503020204020204" pitchFamily="34" charset="-122"/>
+                <a:ea typeface="微软雅黑" panose="020B0503020204020204" pitchFamily="34" charset="-122"/>
+              </a:rPr>
+              <a:t>CART</a:t>
+            </a:r>
+            <a:r>
+              <a:rPr lang="zh-CN" altLang="en-US" sz="2400" b="1" dirty="0">
+                <a:solidFill>
+                  <a:prstClr val="black">
+                    <a:lumMod val="65000"/>
+                    <a:lumOff val="35000"/>
+                  </a:prstClr>
+                </a:solidFill>
+                <a:latin typeface="微软雅黑" panose="020B0503020204020204" pitchFamily="34" charset="-122"/>
+                <a:ea typeface="微软雅黑" panose="020B0503020204020204" pitchFamily="34" charset="-122"/>
+              </a:rPr>
+              <a:t>算法</a:t>
+            </a:r>
+            <a:endParaRPr kumimoji="0" lang="en-US" altLang="zh-CN" sz="2400" b="1" i="0" u="none" strike="noStrike" kern="1200" cap="none" spc="0" normalizeH="0" baseline="0" noProof="0" dirty="0">
               <a:ln>
                 <a:noFill/>
               </a:ln>
@@ -28516,50 +28935,6 @@
                             </p:childTnLst>
                           </p:cTn>
                         </p:par>
-                        <p:par>
-                          <p:cTn id="8" fill="hold">
-                            <p:stCondLst>
-                              <p:cond delay="500"/>
-                            </p:stCondLst>
-                            <p:childTnLst>
-                              <p:par>
-                                <p:cTn id="9" presetID="22" presetClass="entr" presetSubtype="2" fill="hold" grpId="0" nodeType="afterEffect">
-                                  <p:stCondLst>
-                                    <p:cond delay="0"/>
-                                  </p:stCondLst>
-                                  <p:childTnLst>
-                                    <p:set>
-                                      <p:cBhvr>
-                                        <p:cTn id="10" dur="1" fill="hold">
-                                          <p:stCondLst>
-                                            <p:cond delay="0"/>
-                                          </p:stCondLst>
-                                        </p:cTn>
-                                        <p:tgtEl>
-                                          <p:spTgt spid="25"/>
-                                        </p:tgtEl>
-                                        <p:attrNameLst>
-                                          <p:attrName>style.visibility</p:attrName>
-                                        </p:attrNameLst>
-                                      </p:cBhvr>
-                                      <p:to>
-                                        <p:strVal val="visible"/>
-                                      </p:to>
-                                    </p:set>
-                                    <p:animEffect transition="in" filter="wipe(right)">
-                                      <p:cBhvr>
-                                        <p:cTn id="11" dur="500"/>
-                                        <p:tgtEl>
-                                          <p:spTgt spid="25"/>
-                                        </p:tgtEl>
-                                      </p:cBhvr>
-                                    </p:animEffect>
-                                  </p:childTnLst>
-                                </p:cTn>
-                              </p:par>
-                            </p:childTnLst>
-                          </p:cTn>
-                        </p:par>
                       </p:childTnLst>
                     </p:cTn>
                   </p:par>
@@ -28586,7 +28961,6 @@
     </p:tnLst>
     <p:bldLst>
       <p:bldP spid="23" grpId="0"/>
-      <p:bldP spid="25" grpId="0"/>
     </p:bldLst>
   </p:timing>
 </p:sld>
